--- a/Later/Lambda/1/Java Lambda Expressions.pptx
+++ b/Later/Lambda/1/Java Lambda Expressions.pptx
@@ -195,7 +195,7 @@
           <a:p>
             <a:fld id="{62274EC6-3890-417B-9308-14EFBD00FA63}" type="datetimeFigureOut">
               <a:rPr lang="en-US" smtClean="0"/>
-              <a:t>2/24/2017</a:t>
+              <a:t>2/27/2017</a:t>
             </a:fld>
             <a:endParaRPr lang="en-US" dirty="0"/>
           </a:p>
@@ -1001,7 +1001,7 @@
             <a:fld id="{1D8BD707-D9CF-40AE-B4C6-C98DA3205C09}" type="datetimeFigureOut">
               <a:rPr lang="en-US" smtClean="0"/>
               <a:pPr/>
-              <a:t>2/24/2017</a:t>
+              <a:t>2/27/2017</a:t>
             </a:fld>
             <a:endParaRPr lang="en-US" dirty="0"/>
           </a:p>
@@ -1173,7 +1173,7 @@
             <a:fld id="{1D8BD707-D9CF-40AE-B4C6-C98DA3205C09}" type="datetimeFigureOut">
               <a:rPr lang="en-US" smtClean="0"/>
               <a:pPr/>
-              <a:t>2/24/2017</a:t>
+              <a:t>2/27/2017</a:t>
             </a:fld>
             <a:endParaRPr lang="en-US" dirty="0"/>
           </a:p>
@@ -1355,7 +1355,7 @@
             <a:fld id="{1D8BD707-D9CF-40AE-B4C6-C98DA3205C09}" type="datetimeFigureOut">
               <a:rPr lang="en-US" smtClean="0"/>
               <a:pPr/>
-              <a:t>2/24/2017</a:t>
+              <a:t>2/27/2017</a:t>
             </a:fld>
             <a:endParaRPr lang="en-US" dirty="0"/>
           </a:p>
@@ -1527,7 +1527,7 @@
             <a:fld id="{1D8BD707-D9CF-40AE-B4C6-C98DA3205C09}" type="datetimeFigureOut">
               <a:rPr lang="en-US" smtClean="0"/>
               <a:pPr/>
-              <a:t>2/24/2017</a:t>
+              <a:t>2/27/2017</a:t>
             </a:fld>
             <a:endParaRPr lang="en-US" dirty="0"/>
           </a:p>
@@ -1775,7 +1775,7 @@
             <a:fld id="{1D8BD707-D9CF-40AE-B4C6-C98DA3205C09}" type="datetimeFigureOut">
               <a:rPr lang="en-US" smtClean="0"/>
               <a:pPr/>
-              <a:t>2/24/2017</a:t>
+              <a:t>2/27/2017</a:t>
             </a:fld>
             <a:endParaRPr lang="en-US" dirty="0"/>
           </a:p>
@@ -2065,7 +2065,7 @@
             <a:fld id="{1D8BD707-D9CF-40AE-B4C6-C98DA3205C09}" type="datetimeFigureOut">
               <a:rPr lang="en-US" smtClean="0"/>
               <a:pPr/>
-              <a:t>2/24/2017</a:t>
+              <a:t>2/27/2017</a:t>
             </a:fld>
             <a:endParaRPr lang="en-US" dirty="0"/>
           </a:p>
@@ -2494,7 +2494,7 @@
             <a:fld id="{1D8BD707-D9CF-40AE-B4C6-C98DA3205C09}" type="datetimeFigureOut">
               <a:rPr lang="en-US" smtClean="0"/>
               <a:pPr/>
-              <a:t>2/24/2017</a:t>
+              <a:t>2/27/2017</a:t>
             </a:fld>
             <a:endParaRPr lang="en-US" dirty="0"/>
           </a:p>
@@ -2614,7 +2614,7 @@
             <a:fld id="{1D8BD707-D9CF-40AE-B4C6-C98DA3205C09}" type="datetimeFigureOut">
               <a:rPr lang="en-US" smtClean="0"/>
               <a:pPr/>
-              <a:t>2/24/2017</a:t>
+              <a:t>2/27/2017</a:t>
             </a:fld>
             <a:endParaRPr lang="en-US" dirty="0"/>
           </a:p>
@@ -2711,7 +2711,7 @@
             <a:fld id="{1D8BD707-D9CF-40AE-B4C6-C98DA3205C09}" type="datetimeFigureOut">
               <a:rPr lang="en-US" smtClean="0"/>
               <a:pPr/>
-              <a:t>2/24/2017</a:t>
+              <a:t>2/27/2017</a:t>
             </a:fld>
             <a:endParaRPr lang="en-US" dirty="0"/>
           </a:p>
@@ -2990,7 +2990,7 @@
             <a:fld id="{1D8BD707-D9CF-40AE-B4C6-C98DA3205C09}" type="datetimeFigureOut">
               <a:rPr lang="en-US" smtClean="0"/>
               <a:pPr/>
-              <a:t>2/24/2017</a:t>
+              <a:t>2/27/2017</a:t>
             </a:fld>
             <a:endParaRPr lang="en-US" dirty="0"/>
           </a:p>
@@ -3245,7 +3245,7 @@
             <a:fld id="{1D8BD707-D9CF-40AE-B4C6-C98DA3205C09}" type="datetimeFigureOut">
               <a:rPr lang="en-US" smtClean="0"/>
               <a:pPr/>
-              <a:t>2/24/2017</a:t>
+              <a:t>2/27/2017</a:t>
             </a:fld>
             <a:endParaRPr lang="en-US" dirty="0"/>
           </a:p>
@@ -3460,7 +3460,7 @@
             <a:fld id="{1D8BD707-D9CF-40AE-B4C6-C98DA3205C09}" type="datetimeFigureOut">
               <a:rPr lang="en-US" smtClean="0"/>
               <a:pPr/>
-              <a:t>2/24/2017</a:t>
+              <a:t>2/27/2017</a:t>
             </a:fld>
             <a:endParaRPr lang="en-US" dirty="0"/>
           </a:p>
@@ -4107,15 +4107,7 @@
             </a:r>
             <a:r>
               <a:rPr lang="en-US" sz="1200" dirty="0"/>
-              <a:t>interface which has only one abstract method is called functional interface. Java provides an </a:t>
-            </a:r>
-            <a:r>
-              <a:rPr lang="en-US" sz="1200" dirty="0"/>
-              <a:t>anotation</a:t>
-            </a:r>
-            <a:r>
-              <a:rPr lang="en-US" sz="1200" dirty="0"/>
-              <a:t> </a:t>
+              <a:t>interface which has only one abstract method is called functional interface. Java provides an anotation </a:t>
             </a:r>
             <a:r>
               <a:rPr lang="en-US" sz="1200" b="1" dirty="0">
@@ -4505,7 +4497,6 @@
               <a:rPr lang="en-US" dirty="0"/>
               <a:t>(argument-list) -&gt; {body}  </a:t>
             </a:r>
-            <a:endParaRPr lang="en-US" dirty="0"/>
           </a:p>
         </p:txBody>
       </p:sp>
@@ -5240,7 +5231,7 @@
         <p:spPr>
           <a:xfrm>
             <a:off x="460376" y="1600200"/>
-            <a:ext cx="8378824" cy="1200329"/>
+            <a:ext cx="8378824" cy="1754326"/>
           </a:xfrm>
           <a:prstGeom prst="rect">
             <a:avLst/>
@@ -5294,7 +5285,36 @@
             </a:pPr>
             <a:r>
               <a:rPr lang="en-US" sz="1200" dirty="0"/>
-              <a:t>In other words, we can say it is a replacement of java inner anonymous class. Java lambda expression is treated as a function, so compiler does not create .class file.</a:t>
+              <a:t>In other words, we can say it is a replacement of java inner anonymous class. Java lambda expression is treated as a function, so compiler does not create .class file</a:t>
+            </a:r>
+            <a:r>
+              <a:rPr lang="en-US" sz="1200" dirty="0" smtClean="0"/>
+              <a:t>.</a:t>
+            </a:r>
+          </a:p>
+          <a:p>
+            <a:pPr marL="171450" indent="-171450">
+              <a:buFont typeface="Wingdings" pitchFamily="2" charset="2"/>
+              <a:buChar char="ü"/>
+            </a:pPr>
+            <a:endParaRPr lang="en-US" sz="1200" dirty="0"/>
+          </a:p>
+          <a:p>
+            <a:pPr marL="171450" indent="-171450">
+              <a:buFont typeface="Wingdings" pitchFamily="2" charset="2"/>
+              <a:buChar char="ü"/>
+            </a:pPr>
+            <a:r>
+              <a:rPr lang="en-US" sz="1200" dirty="0"/>
+              <a:t>Java lambda expression can be used in the collection framework. It provides efficient and concise way to iterate, filter and </a:t>
+            </a:r>
+            <a:r>
+              <a:rPr lang="en-US" sz="1200"/>
+              <a:t>fetch </a:t>
+            </a:r>
+            <a:r>
+              <a:rPr lang="en-US" sz="1200" smtClean="0"/>
+              <a:t>data.</a:t>
             </a:r>
             <a:endParaRPr lang="en-US" sz="1200" dirty="0"/>
           </a:p>

--- a/Later/Lambda/1/Java Lambda Expressions.pptx
+++ b/Later/Lambda/1/Java Lambda Expressions.pptx
@@ -195,7 +195,7 @@
           <a:p>
             <a:fld id="{62274EC6-3890-417B-9308-14EFBD00FA63}" type="datetimeFigureOut">
               <a:rPr lang="en-US" smtClean="0"/>
-              <a:t>2/27/2017</a:t>
+              <a:t>2/28/2017</a:t>
             </a:fld>
             <a:endParaRPr lang="en-US" dirty="0"/>
           </a:p>
@@ -1001,7 +1001,7 @@
             <a:fld id="{1D8BD707-D9CF-40AE-B4C6-C98DA3205C09}" type="datetimeFigureOut">
               <a:rPr lang="en-US" smtClean="0"/>
               <a:pPr/>
-              <a:t>2/27/2017</a:t>
+              <a:t>2/28/2017</a:t>
             </a:fld>
             <a:endParaRPr lang="en-US" dirty="0"/>
           </a:p>
@@ -1173,7 +1173,7 @@
             <a:fld id="{1D8BD707-D9CF-40AE-B4C6-C98DA3205C09}" type="datetimeFigureOut">
               <a:rPr lang="en-US" smtClean="0"/>
               <a:pPr/>
-              <a:t>2/27/2017</a:t>
+              <a:t>2/28/2017</a:t>
             </a:fld>
             <a:endParaRPr lang="en-US" dirty="0"/>
           </a:p>
@@ -1355,7 +1355,7 @@
             <a:fld id="{1D8BD707-D9CF-40AE-B4C6-C98DA3205C09}" type="datetimeFigureOut">
               <a:rPr lang="en-US" smtClean="0"/>
               <a:pPr/>
-              <a:t>2/27/2017</a:t>
+              <a:t>2/28/2017</a:t>
             </a:fld>
             <a:endParaRPr lang="en-US" dirty="0"/>
           </a:p>
@@ -1527,7 +1527,7 @@
             <a:fld id="{1D8BD707-D9CF-40AE-B4C6-C98DA3205C09}" type="datetimeFigureOut">
               <a:rPr lang="en-US" smtClean="0"/>
               <a:pPr/>
-              <a:t>2/27/2017</a:t>
+              <a:t>2/28/2017</a:t>
             </a:fld>
             <a:endParaRPr lang="en-US" dirty="0"/>
           </a:p>
@@ -1775,7 +1775,7 @@
             <a:fld id="{1D8BD707-D9CF-40AE-B4C6-C98DA3205C09}" type="datetimeFigureOut">
               <a:rPr lang="en-US" smtClean="0"/>
               <a:pPr/>
-              <a:t>2/27/2017</a:t>
+              <a:t>2/28/2017</a:t>
             </a:fld>
             <a:endParaRPr lang="en-US" dirty="0"/>
           </a:p>
@@ -2065,7 +2065,7 @@
             <a:fld id="{1D8BD707-D9CF-40AE-B4C6-C98DA3205C09}" type="datetimeFigureOut">
               <a:rPr lang="en-US" smtClean="0"/>
               <a:pPr/>
-              <a:t>2/27/2017</a:t>
+              <a:t>2/28/2017</a:t>
             </a:fld>
             <a:endParaRPr lang="en-US" dirty="0"/>
           </a:p>
@@ -2494,7 +2494,7 @@
             <a:fld id="{1D8BD707-D9CF-40AE-B4C6-C98DA3205C09}" type="datetimeFigureOut">
               <a:rPr lang="en-US" smtClean="0"/>
               <a:pPr/>
-              <a:t>2/27/2017</a:t>
+              <a:t>2/28/2017</a:t>
             </a:fld>
             <a:endParaRPr lang="en-US" dirty="0"/>
           </a:p>
@@ -2614,7 +2614,7 @@
             <a:fld id="{1D8BD707-D9CF-40AE-B4C6-C98DA3205C09}" type="datetimeFigureOut">
               <a:rPr lang="en-US" smtClean="0"/>
               <a:pPr/>
-              <a:t>2/27/2017</a:t>
+              <a:t>2/28/2017</a:t>
             </a:fld>
             <a:endParaRPr lang="en-US" dirty="0"/>
           </a:p>
@@ -2711,7 +2711,7 @@
             <a:fld id="{1D8BD707-D9CF-40AE-B4C6-C98DA3205C09}" type="datetimeFigureOut">
               <a:rPr lang="en-US" smtClean="0"/>
               <a:pPr/>
-              <a:t>2/27/2017</a:t>
+              <a:t>2/28/2017</a:t>
             </a:fld>
             <a:endParaRPr lang="en-US" dirty="0"/>
           </a:p>
@@ -2990,7 +2990,7 @@
             <a:fld id="{1D8BD707-D9CF-40AE-B4C6-C98DA3205C09}" type="datetimeFigureOut">
               <a:rPr lang="en-US" smtClean="0"/>
               <a:pPr/>
-              <a:t>2/27/2017</a:t>
+              <a:t>2/28/2017</a:t>
             </a:fld>
             <a:endParaRPr lang="en-US" dirty="0"/>
           </a:p>
@@ -3245,7 +3245,7 @@
             <a:fld id="{1D8BD707-D9CF-40AE-B4C6-C98DA3205C09}" type="datetimeFigureOut">
               <a:rPr lang="en-US" smtClean="0"/>
               <a:pPr/>
-              <a:t>2/27/2017</a:t>
+              <a:t>2/28/2017</a:t>
             </a:fld>
             <a:endParaRPr lang="en-US" dirty="0"/>
           </a:p>
@@ -3460,7 +3460,7 @@
             <a:fld id="{1D8BD707-D9CF-40AE-B4C6-C98DA3205C09}" type="datetimeFigureOut">
               <a:rPr lang="en-US" smtClean="0"/>
               <a:pPr/>
-              <a:t>2/27/2017</a:t>
+              <a:t>2/28/2017</a:t>
             </a:fld>
             <a:endParaRPr lang="en-US" dirty="0"/>
           </a:p>
@@ -5230,7 +5230,7 @@
         </p:nvSpPr>
         <p:spPr>
           <a:xfrm>
-            <a:off x="460376" y="1600200"/>
+            <a:off x="460376" y="713512"/>
             <a:ext cx="8378824" cy="1754326"/>
           </a:xfrm>
           <a:prstGeom prst="rect">
@@ -5320,6 +5320,52 @@
           </a:p>
         </p:txBody>
       </p:sp>
+      <p:pic>
+        <p:nvPicPr>
+          <p:cNvPr id="1026" name="Picture 2"/>
+          <p:cNvPicPr>
+            <a:picLocks noChangeAspect="1" noChangeArrowheads="1"/>
+          </p:cNvPicPr>
+          <p:nvPr/>
+        </p:nvPicPr>
+        <p:blipFill>
+          <a:blip r:embed="rId3">
+            <a:extLst>
+              <a:ext uri="{28A0092B-C50C-407E-A947-70E740481C1C}">
+                <a14:useLocalDpi xmlns:a14="http://schemas.microsoft.com/office/drawing/2010/main" val="0"/>
+              </a:ext>
+            </a:extLst>
+          </a:blip>
+          <a:srcRect/>
+          <a:stretch>
+            <a:fillRect/>
+          </a:stretch>
+        </p:blipFill>
+        <p:spPr bwMode="auto">
+          <a:xfrm>
+            <a:off x="2743200" y="2819400"/>
+            <a:ext cx="3067050" cy="1917065"/>
+          </a:xfrm>
+          <a:prstGeom prst="rect">
+            <a:avLst/>
+          </a:prstGeom>
+          <a:ln/>
+        </p:spPr>
+        <p:style>
+          <a:lnRef idx="1">
+            <a:schemeClr val="accent4"/>
+          </a:lnRef>
+          <a:fillRef idx="2">
+            <a:schemeClr val="accent4"/>
+          </a:fillRef>
+          <a:effectRef idx="1">
+            <a:schemeClr val="accent4"/>
+          </a:effectRef>
+          <a:fontRef idx="minor">
+            <a:schemeClr val="dk1"/>
+          </a:fontRef>
+        </p:style>
+      </p:pic>
     </p:spTree>
     <p:extLst>
       <p:ext uri="{BB962C8B-B14F-4D97-AF65-F5344CB8AC3E}">
